--- a/Cold Call Case Study.pptx
+++ b/Cold Call Case Study.pptx
@@ -3518,7 +3518,7 @@
           <a:p>
             <a:r>
               <a:rPr lang="en-US" dirty="0"/>
-              <a:t>Split dataset to train and test set (stratify)</a:t>
+              <a:t>Generate Train/Test Set</a:t>
             </a:r>
           </a:p>
         </p:txBody>
@@ -3542,16 +3542,18 @@
         <p:spPr>
           <a:xfrm>
             <a:off x="838200" y="1428864"/>
-            <a:ext cx="10515600" cy="621607"/>
+            <a:ext cx="6199909" cy="769388"/>
           </a:xfrm>
         </p:spPr>
         <p:txBody>
-          <a:bodyPr/>
+          <a:bodyPr>
+            <a:normAutofit fontScale="85000" lnSpcReduction="10000"/>
+          </a:bodyPr>
           <a:lstStyle/>
           <a:p>
             <a:r>
               <a:rPr lang="en-US" dirty="0"/>
-              <a:t>To ensure that ‘Response’ is represented equally in the train and test sets</a:t>
+              <a:t>Split the dataset and stratify to ensure that ‘Response’ is represented equally in the train and test sets</a:t>
             </a:r>
           </a:p>
         </p:txBody>
@@ -3572,7 +3574,7 @@
         </p:nvSpPr>
         <p:spPr>
           <a:xfrm>
-            <a:off x="838200" y="2198252"/>
+            <a:off x="838200" y="2558467"/>
             <a:ext cx="10515600" cy="813816"/>
           </a:xfrm>
           <a:prstGeom prst="rect">
@@ -3626,8 +3628,8 @@
         </p:nvSpPr>
         <p:spPr>
           <a:xfrm>
-            <a:off x="838200" y="3094363"/>
-            <a:ext cx="10515600" cy="3093998"/>
+            <a:off x="838200" y="3509818"/>
+            <a:ext cx="6199909" cy="2983345"/>
           </a:xfrm>
           <a:prstGeom prst="rect">
             <a:avLst/>
@@ -3635,7 +3637,7 @@
         </p:spPr>
         <p:txBody>
           <a:bodyPr vert="horz" lIns="91440" tIns="45720" rIns="91440" bIns="45720" rtlCol="0">
-            <a:normAutofit lnSpcReduction="10000"/>
+            <a:normAutofit/>
           </a:bodyPr>
           <a:lstStyle>
             <a:lvl1pPr marL="228600" indent="-228600" algn="l" defTabSz="914400" rtl="0" eaLnBrk="1" latinLnBrk="0" hangingPunct="1">
@@ -3802,6 +3804,102 @@
             </a:lvl9pPr>
           </a:lstStyle>
           <a:p>
+            <a:r>
+              <a:rPr lang="en-US" dirty="0"/>
+              <a:t>Logistic Regression</a:t>
+            </a:r>
+          </a:p>
+          <a:p>
+            <a:r>
+              <a:rPr lang="en-US" dirty="0"/>
+              <a:t>KNN</a:t>
+            </a:r>
+          </a:p>
+          <a:p>
+            <a:r>
+              <a:rPr lang="en-US" dirty="0"/>
+              <a:t>SVC</a:t>
+            </a:r>
+          </a:p>
+          <a:p>
+            <a:r>
+              <a:rPr lang="en-US" dirty="0"/>
+              <a:t>Decision Tree</a:t>
+            </a:r>
+          </a:p>
+          <a:p>
+            <a:r>
+              <a:rPr lang="en-US" dirty="0"/>
+              <a:t>Random Forest</a:t>
+            </a:r>
+          </a:p>
+          <a:p>
+            <a:r>
+              <a:rPr lang="en-US" dirty="0" err="1"/>
+              <a:t>XGBoost</a:t>
+            </a:r>
+            <a:endParaRPr lang="en-US" dirty="0"/>
+          </a:p>
+        </p:txBody>
+      </p:sp>
+      <p:pic>
+        <p:nvPicPr>
+          <p:cNvPr id="7" name="Picture 6">
+            <a:extLst>
+              <a:ext uri="{FF2B5EF4-FFF2-40B4-BE49-F238E27FC236}">
+                <a16:creationId xmlns:a16="http://schemas.microsoft.com/office/drawing/2014/main" id="{59F79A48-1B7D-451A-D90F-8CE1AF004028}"/>
+              </a:ext>
+            </a:extLst>
+          </p:cNvPr>
+          <p:cNvPicPr>
+            <a:picLocks noChangeAspect="1"/>
+          </p:cNvPicPr>
+          <p:nvPr/>
+        </p:nvPicPr>
+        <p:blipFill>
+          <a:blip r:embed="rId2"/>
+          <a:stretch>
+            <a:fillRect/>
+          </a:stretch>
+        </p:blipFill>
+        <p:spPr>
+          <a:xfrm>
+            <a:off x="7038109" y="262514"/>
+            <a:ext cx="3971925" cy="2638425"/>
+          </a:xfrm>
+          <a:prstGeom prst="rect">
+            <a:avLst/>
+          </a:prstGeom>
+        </p:spPr>
+      </p:pic>
+      <p:sp>
+        <p:nvSpPr>
+          <p:cNvPr id="9" name="TextBox 8">
+            <a:extLst>
+              <a:ext uri="{FF2B5EF4-FFF2-40B4-BE49-F238E27FC236}">
+                <a16:creationId xmlns:a16="http://schemas.microsoft.com/office/drawing/2014/main" id="{184C0674-C911-FC34-7D5A-242EA3EA71C3}"/>
+              </a:ext>
+            </a:extLst>
+          </p:cNvPr>
+          <p:cNvSpPr txBox="1"/>
+          <p:nvPr/>
+        </p:nvSpPr>
+        <p:spPr>
+          <a:xfrm>
+            <a:off x="5024582" y="5808134"/>
+            <a:ext cx="6096000" cy="369332"/>
+          </a:xfrm>
+          <a:prstGeom prst="rect">
+            <a:avLst/>
+          </a:prstGeom>
+          <a:noFill/>
+        </p:spPr>
+        <p:txBody>
+          <a:bodyPr wrap="square">
+            <a:spAutoFit/>
+          </a:bodyPr>
+          <a:lstStyle/>
+          <a:p>
             <a:pPr marL="0" indent="0">
               <a:buNone/>
             </a:pPr>
@@ -3815,43 +3913,6 @@
               </a:rPr>
               <a:t>If time permits, it is recommended to do hyperparameter tuning</a:t>
             </a:r>
-          </a:p>
-          <a:p>
-            <a:r>
-              <a:rPr lang="en-US" dirty="0"/>
-              <a:t>Logistic Regression</a:t>
-            </a:r>
-          </a:p>
-          <a:p>
-            <a:r>
-              <a:rPr lang="en-US" dirty="0"/>
-              <a:t>KNN</a:t>
-            </a:r>
-          </a:p>
-          <a:p>
-            <a:r>
-              <a:rPr lang="en-US" dirty="0"/>
-              <a:t>SVC</a:t>
-            </a:r>
-          </a:p>
-          <a:p>
-            <a:r>
-              <a:rPr lang="en-US" dirty="0"/>
-              <a:t>Decision Tree</a:t>
-            </a:r>
-          </a:p>
-          <a:p>
-            <a:r>
-              <a:rPr lang="en-US" dirty="0"/>
-              <a:t>Random Forest</a:t>
-            </a:r>
-          </a:p>
-          <a:p>
-            <a:r>
-              <a:rPr lang="en-US" dirty="0" err="1"/>
-              <a:t>XGBoost</a:t>
-            </a:r>
-            <a:endParaRPr lang="en-US" dirty="0"/>
           </a:p>
         </p:txBody>
       </p:sp>
@@ -4749,7 +4810,7 @@
           <a:p>
             <a:r>
               <a:rPr lang="en-US" dirty="0"/>
-              <a:t>Hence, if we want to increase the positive response from customers, we must structure our calls such that it will last by 250 to750 seconds or 4 to 12 minutes.</a:t>
+              <a:t>Hence, if we want to increase the positive response from customers, we must structure our calls such that it will last by 250 to 750 seconds or 4 to 12 minutes.</a:t>
             </a:r>
           </a:p>
         </p:txBody>
@@ -6648,7 +6709,7 @@
           <a:p>
             <a:r>
               <a:rPr lang="en-US" dirty="0"/>
-              <a:t>We are tasked to overlay the revenue / cost impacts based on our classification impact.</a:t>
+              <a:t>We are tasked to overlay the revenue / cost impacts based on our classification model.</a:t>
             </a:r>
           </a:p>
         </p:txBody>
@@ -13336,7 +13397,7 @@
           <p:nvPr>
             <p:extLst>
               <p:ext uri="{D42A27DB-BD31-4B8C-83A1-F6EECF244321}">
-                <p14:modId xmlns:p14="http://schemas.microsoft.com/office/powerpoint/2010/main" val="1373434687"/>
+                <p14:modId xmlns:p14="http://schemas.microsoft.com/office/powerpoint/2010/main" val="2547300947"/>
               </p:ext>
             </p:extLst>
           </p:nvPr>
@@ -14339,60 +14400,69 @@
                     <a:p>
                       <a:pPr algn="l" fontAlgn="b"/>
                       <a:r>
-                        <a:rPr lang="en-US" sz="1100" u="none" strike="noStrike">
+                        <a:rPr lang="en-US" sz="1100" b="1" u="none" strike="noStrike">
+                          <a:solidFill>
+                            <a:schemeClr val="accent2"/>
+                          </a:solidFill>
                           <a:effectLst/>
                         </a:rPr>
                         <a:t> Feature_md_11</a:t>
                       </a:r>
-                      <a:endParaRPr lang="en-US" sz="1100" b="0" i="0" u="none" strike="noStrike">
-                        <a:solidFill>
-                          <a:srgbClr val="000000"/>
-                        </a:solidFill>
-                        <a:effectLst/>
-                        <a:latin typeface="Calibri" panose="020F0502020204030204" pitchFamily="34" charset="0"/>
-                      </a:endParaRPr>
-                    </a:p>
-                  </a:txBody>
-                  <a:tcPr marL="9525" marR="9525" marT="9525" marB="0" anchor="b"/>
-                </a:tc>
-                <a:tc>
-                  <a:txBody>
-                    <a:bodyPr/>
-                    <a:lstStyle/>
-                    <a:p>
-                      <a:pPr algn="l" fontAlgn="b"/>
-                      <a:r>
-                        <a:rPr lang="en-US" sz="1100" u="none" strike="noStrike">
+                      <a:endParaRPr lang="en-US" sz="1100" b="1" i="0" u="none" strike="noStrike">
+                        <a:solidFill>
+                          <a:schemeClr val="accent2"/>
+                        </a:solidFill>
+                        <a:effectLst/>
+                        <a:latin typeface="Calibri" panose="020F0502020204030204" pitchFamily="34" charset="0"/>
+                      </a:endParaRPr>
+                    </a:p>
+                  </a:txBody>
+                  <a:tcPr marL="9525" marR="9525" marT="9525" marB="0" anchor="b"/>
+                </a:tc>
+                <a:tc>
+                  <a:txBody>
+                    <a:bodyPr/>
+                    <a:lstStyle/>
+                    <a:p>
+                      <a:pPr algn="l" fontAlgn="b"/>
+                      <a:r>
+                        <a:rPr lang="en-US" sz="1100" b="1" u="none" strike="noStrike">
+                          <a:solidFill>
+                            <a:schemeClr val="accent2"/>
+                          </a:solidFill>
                           <a:effectLst/>
                         </a:rPr>
                         <a:t>Category</a:t>
                       </a:r>
-                      <a:endParaRPr lang="en-US" sz="1100" b="0" i="0" u="none" strike="noStrike">
-                        <a:solidFill>
-                          <a:srgbClr val="000000"/>
-                        </a:solidFill>
-                        <a:effectLst/>
-                        <a:latin typeface="Calibri" panose="020F0502020204030204" pitchFamily="34" charset="0"/>
-                      </a:endParaRPr>
-                    </a:p>
-                  </a:txBody>
-                  <a:tcPr marL="9525" marR="9525" marT="9525" marB="0" anchor="b"/>
-                </a:tc>
-                <a:tc>
-                  <a:txBody>
-                    <a:bodyPr/>
-                    <a:lstStyle/>
-                    <a:p>
-                      <a:pPr algn="l" fontAlgn="b"/>
-                      <a:r>
-                        <a:rPr lang="en-US" sz="1100" u="none" strike="noStrike" dirty="0">
+                      <a:endParaRPr lang="en-US" sz="1100" b="1" i="0" u="none" strike="noStrike">
+                        <a:solidFill>
+                          <a:schemeClr val="accent2"/>
+                        </a:solidFill>
+                        <a:effectLst/>
+                        <a:latin typeface="Calibri" panose="020F0502020204030204" pitchFamily="34" charset="0"/>
+                      </a:endParaRPr>
+                    </a:p>
+                  </a:txBody>
+                  <a:tcPr marL="9525" marR="9525" marT="9525" marB="0" anchor="b"/>
+                </a:tc>
+                <a:tc>
+                  <a:txBody>
+                    <a:bodyPr/>
+                    <a:lstStyle/>
+                    <a:p>
+                      <a:pPr algn="l" fontAlgn="b"/>
+                      <a:r>
+                        <a:rPr lang="en-US" sz="1100" b="1" u="none" strike="noStrike" dirty="0">
+                          <a:solidFill>
+                            <a:schemeClr val="accent2"/>
+                          </a:solidFill>
                           <a:effectLst/>
                         </a:rPr>
                         <a:t>Customer - civil status</a:t>
                       </a:r>
-                      <a:endParaRPr lang="en-US" sz="1100" b="0" i="0" u="none" strike="noStrike" dirty="0">
-                        <a:solidFill>
-                          <a:srgbClr val="000000"/>
+                      <a:endParaRPr lang="en-US" sz="1100" b="1" i="0" u="none" strike="noStrike" dirty="0">
+                        <a:solidFill>
+                          <a:schemeClr val="accent2"/>
                         </a:solidFill>
                         <a:effectLst/>
                         <a:latin typeface="Calibri" panose="020F0502020204030204" pitchFamily="34" charset="0"/>
@@ -15187,8 +15257,8 @@
         </p:nvCxnSpPr>
         <p:spPr>
           <a:xfrm>
-            <a:off x="5527029" y="4668983"/>
-            <a:ext cx="1073980" cy="1342651"/>
+            <a:off x="5615709" y="4405745"/>
+            <a:ext cx="985300" cy="1605889"/>
           </a:xfrm>
           <a:prstGeom prst="straightConnector1">
             <a:avLst/>
@@ -15229,8 +15299,8 @@
         </p:nvSpPr>
         <p:spPr>
           <a:xfrm>
-            <a:off x="5144654" y="4221019"/>
-            <a:ext cx="341746" cy="879764"/>
+            <a:off x="5144654" y="3666836"/>
+            <a:ext cx="341746" cy="1433947"/>
           </a:xfrm>
           <a:prstGeom prst="rightBrace">
             <a:avLst>
